--- a/ppt 16-9/1386.慈悲与完全.pptx
+++ b/ppt 16-9/1386.慈悲与完全.pptx
@@ -129,7 +129,7 @@
           <p:cNvPr id="2" name="标题 1">
             <a:extLst>
               <a:ext uri="{FF2B5EF4-FFF2-40B4-BE49-F238E27FC236}">
-                <a16:creationId xmlns:a16="http://schemas.microsoft.com/office/drawing/2014/main" id="{EBD990C8-F238-809B-6324-79510A8A7840}"/>
+                <a16:creationId xmlns:a16="http://schemas.microsoft.com/office/drawing/2014/main" id="{F91AD4AC-4054-0141-1F81-E118D3026A63}"/>
               </a:ext>
             </a:extLst>
           </p:cNvPr>
@@ -166,7 +166,7 @@
           <p:cNvPr id="3" name="副标题 2">
             <a:extLst>
               <a:ext uri="{FF2B5EF4-FFF2-40B4-BE49-F238E27FC236}">
-                <a16:creationId xmlns:a16="http://schemas.microsoft.com/office/drawing/2014/main" id="{B22A0BDB-37A9-F23F-8358-FEE40DE3BC18}"/>
+                <a16:creationId xmlns:a16="http://schemas.microsoft.com/office/drawing/2014/main" id="{67B63A05-8832-54E1-DE71-F3B7DAD24D5A}"/>
               </a:ext>
             </a:extLst>
           </p:cNvPr>
@@ -236,7 +236,7 @@
           <p:cNvPr id="4" name="日期占位符 3">
             <a:extLst>
               <a:ext uri="{FF2B5EF4-FFF2-40B4-BE49-F238E27FC236}">
-                <a16:creationId xmlns:a16="http://schemas.microsoft.com/office/drawing/2014/main" id="{F5FD9150-7970-45D5-7D8A-5D6B94FEE0F2}"/>
+                <a16:creationId xmlns:a16="http://schemas.microsoft.com/office/drawing/2014/main" id="{0C913C6A-67FB-14CD-64DD-770FE169B550}"/>
               </a:ext>
             </a:extLst>
           </p:cNvPr>
@@ -252,7 +252,7 @@
           <a:bodyPr/>
           <a:lstStyle/>
           <a:p>
-            <a:fld id="{535DEC5E-03D0-424D-A191-55F5CCDDF3FF}" type="datetimeFigureOut">
+            <a:fld id="{C233458B-B309-471D-8CB9-1546E84BFBE1}" type="datetimeFigureOut">
               <a:rPr lang="zh-CN" altLang="en-US" smtClean="0"/>
               <a:t>2024/3/10</a:t>
             </a:fld>
@@ -265,7 +265,7 @@
           <p:cNvPr id="5" name="页脚占位符 4">
             <a:extLst>
               <a:ext uri="{FF2B5EF4-FFF2-40B4-BE49-F238E27FC236}">
-                <a16:creationId xmlns:a16="http://schemas.microsoft.com/office/drawing/2014/main" id="{7B1307AA-457E-34BF-197F-939BB76A2307}"/>
+                <a16:creationId xmlns:a16="http://schemas.microsoft.com/office/drawing/2014/main" id="{3F045013-E7AE-C951-D646-5BC610510BF2}"/>
               </a:ext>
             </a:extLst>
           </p:cNvPr>
@@ -290,7 +290,7 @@
           <p:cNvPr id="6" name="灯片编号占位符 5">
             <a:extLst>
               <a:ext uri="{FF2B5EF4-FFF2-40B4-BE49-F238E27FC236}">
-                <a16:creationId xmlns:a16="http://schemas.microsoft.com/office/drawing/2014/main" id="{9C9F0D39-5EA0-3983-5F98-DFF47D92463E}"/>
+                <a16:creationId xmlns:a16="http://schemas.microsoft.com/office/drawing/2014/main" id="{CCCE6AC8-8CEF-C168-920A-40BA5DE5277D}"/>
               </a:ext>
             </a:extLst>
           </p:cNvPr>
@@ -306,7 +306,7 @@
           <a:bodyPr/>
           <a:lstStyle/>
           <a:p>
-            <a:fld id="{0A7189CC-E7D4-4303-BEE5-60DF320C6C2C}" type="slidenum">
+            <a:fld id="{62AD424D-C8E3-4968-9D70-5C21C446738A}" type="slidenum">
               <a:rPr lang="zh-CN" altLang="en-US" smtClean="0"/>
               <a:t>‹#›</a:t>
             </a:fld>
@@ -317,7 +317,7 @@
     </p:spTree>
     <p:extLst>
       <p:ext uri="{BB962C8B-B14F-4D97-AF65-F5344CB8AC3E}">
-        <p14:creationId xmlns:p14="http://schemas.microsoft.com/office/powerpoint/2010/main" val="1954294073"/>
+        <p14:creationId xmlns:p14="http://schemas.microsoft.com/office/powerpoint/2010/main" val="535483032"/>
       </p:ext>
     </p:extLst>
   </p:cSld>
@@ -349,7 +349,7 @@
           <p:cNvPr id="2" name="标题 1">
             <a:extLst>
               <a:ext uri="{FF2B5EF4-FFF2-40B4-BE49-F238E27FC236}">
-                <a16:creationId xmlns:a16="http://schemas.microsoft.com/office/drawing/2014/main" id="{B4012979-89FA-451D-BB6C-497DEBC263C4}"/>
+                <a16:creationId xmlns:a16="http://schemas.microsoft.com/office/drawing/2014/main" id="{739911E5-17D8-CBC4-CB4F-F7781D32204D}"/>
               </a:ext>
             </a:extLst>
           </p:cNvPr>
@@ -377,7 +377,7 @@
           <p:cNvPr id="3" name="竖排文字占位符 2">
             <a:extLst>
               <a:ext uri="{FF2B5EF4-FFF2-40B4-BE49-F238E27FC236}">
-                <a16:creationId xmlns:a16="http://schemas.microsoft.com/office/drawing/2014/main" id="{273A6F6B-6D73-34D0-58BA-606C71F7FFC8}"/>
+                <a16:creationId xmlns:a16="http://schemas.microsoft.com/office/drawing/2014/main" id="{01FEDD48-4435-0787-2AC1-0507EF6173A2}"/>
               </a:ext>
             </a:extLst>
           </p:cNvPr>
@@ -434,7 +434,7 @@
           <p:cNvPr id="4" name="日期占位符 3">
             <a:extLst>
               <a:ext uri="{FF2B5EF4-FFF2-40B4-BE49-F238E27FC236}">
-                <a16:creationId xmlns:a16="http://schemas.microsoft.com/office/drawing/2014/main" id="{D5A06D6D-386B-F3E9-DD8C-404B82C03AD6}"/>
+                <a16:creationId xmlns:a16="http://schemas.microsoft.com/office/drawing/2014/main" id="{1C6FC803-D98F-7369-12F9-279C21DCEA26}"/>
               </a:ext>
             </a:extLst>
           </p:cNvPr>
@@ -450,7 +450,7 @@
           <a:bodyPr/>
           <a:lstStyle/>
           <a:p>
-            <a:fld id="{535DEC5E-03D0-424D-A191-55F5CCDDF3FF}" type="datetimeFigureOut">
+            <a:fld id="{C233458B-B309-471D-8CB9-1546E84BFBE1}" type="datetimeFigureOut">
               <a:rPr lang="zh-CN" altLang="en-US" smtClean="0"/>
               <a:t>2024/3/10</a:t>
             </a:fld>
@@ -463,7 +463,7 @@
           <p:cNvPr id="5" name="页脚占位符 4">
             <a:extLst>
               <a:ext uri="{FF2B5EF4-FFF2-40B4-BE49-F238E27FC236}">
-                <a16:creationId xmlns:a16="http://schemas.microsoft.com/office/drawing/2014/main" id="{73C14B3C-ED86-1B0E-994E-3813F123C7B4}"/>
+                <a16:creationId xmlns:a16="http://schemas.microsoft.com/office/drawing/2014/main" id="{2FC534F7-195C-3B64-F5F5-58709925688C}"/>
               </a:ext>
             </a:extLst>
           </p:cNvPr>
@@ -488,7 +488,7 @@
           <p:cNvPr id="6" name="灯片编号占位符 5">
             <a:extLst>
               <a:ext uri="{FF2B5EF4-FFF2-40B4-BE49-F238E27FC236}">
-                <a16:creationId xmlns:a16="http://schemas.microsoft.com/office/drawing/2014/main" id="{14E504C7-4B17-7FB7-C2B1-8AB3D75A1CCD}"/>
+                <a16:creationId xmlns:a16="http://schemas.microsoft.com/office/drawing/2014/main" id="{ED4930F8-CC76-1DE3-F5E4-CC5F350C717B}"/>
               </a:ext>
             </a:extLst>
           </p:cNvPr>
@@ -504,7 +504,7 @@
           <a:bodyPr/>
           <a:lstStyle/>
           <a:p>
-            <a:fld id="{0A7189CC-E7D4-4303-BEE5-60DF320C6C2C}" type="slidenum">
+            <a:fld id="{62AD424D-C8E3-4968-9D70-5C21C446738A}" type="slidenum">
               <a:rPr lang="zh-CN" altLang="en-US" smtClean="0"/>
               <a:t>‹#›</a:t>
             </a:fld>
@@ -515,7 +515,7 @@
     </p:spTree>
     <p:extLst>
       <p:ext uri="{BB962C8B-B14F-4D97-AF65-F5344CB8AC3E}">
-        <p14:creationId xmlns:p14="http://schemas.microsoft.com/office/powerpoint/2010/main" val="1702179191"/>
+        <p14:creationId xmlns:p14="http://schemas.microsoft.com/office/powerpoint/2010/main" val="2332259105"/>
       </p:ext>
     </p:extLst>
   </p:cSld>
@@ -547,7 +547,7 @@
           <p:cNvPr id="2" name="竖排标题 1">
             <a:extLst>
               <a:ext uri="{FF2B5EF4-FFF2-40B4-BE49-F238E27FC236}">
-                <a16:creationId xmlns:a16="http://schemas.microsoft.com/office/drawing/2014/main" id="{7B6C6305-3373-4691-2564-007C3B0A0FCD}"/>
+                <a16:creationId xmlns:a16="http://schemas.microsoft.com/office/drawing/2014/main" id="{7736E4D3-C24C-3002-96BB-57DF0AFFBF37}"/>
               </a:ext>
             </a:extLst>
           </p:cNvPr>
@@ -580,7 +580,7 @@
           <p:cNvPr id="3" name="竖排文字占位符 2">
             <a:extLst>
               <a:ext uri="{FF2B5EF4-FFF2-40B4-BE49-F238E27FC236}">
-                <a16:creationId xmlns:a16="http://schemas.microsoft.com/office/drawing/2014/main" id="{1BCBA687-2198-853E-1153-2814554050D9}"/>
+                <a16:creationId xmlns:a16="http://schemas.microsoft.com/office/drawing/2014/main" id="{6E98882D-0C1E-E70A-05D5-6FF9FD88BC3E}"/>
               </a:ext>
             </a:extLst>
           </p:cNvPr>
@@ -642,7 +642,7 @@
           <p:cNvPr id="4" name="日期占位符 3">
             <a:extLst>
               <a:ext uri="{FF2B5EF4-FFF2-40B4-BE49-F238E27FC236}">
-                <a16:creationId xmlns:a16="http://schemas.microsoft.com/office/drawing/2014/main" id="{7615DE6A-5173-5698-F499-BF65591DE407}"/>
+                <a16:creationId xmlns:a16="http://schemas.microsoft.com/office/drawing/2014/main" id="{2768808A-828E-640B-273D-E6E10DF4ED32}"/>
               </a:ext>
             </a:extLst>
           </p:cNvPr>
@@ -658,7 +658,7 @@
           <a:bodyPr/>
           <a:lstStyle/>
           <a:p>
-            <a:fld id="{535DEC5E-03D0-424D-A191-55F5CCDDF3FF}" type="datetimeFigureOut">
+            <a:fld id="{C233458B-B309-471D-8CB9-1546E84BFBE1}" type="datetimeFigureOut">
               <a:rPr lang="zh-CN" altLang="en-US" smtClean="0"/>
               <a:t>2024/3/10</a:t>
             </a:fld>
@@ -671,7 +671,7 @@
           <p:cNvPr id="5" name="页脚占位符 4">
             <a:extLst>
               <a:ext uri="{FF2B5EF4-FFF2-40B4-BE49-F238E27FC236}">
-                <a16:creationId xmlns:a16="http://schemas.microsoft.com/office/drawing/2014/main" id="{17A40552-64E0-1C31-3760-23EBF130DA08}"/>
+                <a16:creationId xmlns:a16="http://schemas.microsoft.com/office/drawing/2014/main" id="{6ACFD0B0-AA17-6D48-8785-A7C5C15E505E}"/>
               </a:ext>
             </a:extLst>
           </p:cNvPr>
@@ -696,7 +696,7 @@
           <p:cNvPr id="6" name="灯片编号占位符 5">
             <a:extLst>
               <a:ext uri="{FF2B5EF4-FFF2-40B4-BE49-F238E27FC236}">
-                <a16:creationId xmlns:a16="http://schemas.microsoft.com/office/drawing/2014/main" id="{A8D1E43A-A11C-21E8-656A-3075FEB96229}"/>
+                <a16:creationId xmlns:a16="http://schemas.microsoft.com/office/drawing/2014/main" id="{B606CA73-5D6C-9881-4975-BF6092C00945}"/>
               </a:ext>
             </a:extLst>
           </p:cNvPr>
@@ -712,7 +712,7 @@
           <a:bodyPr/>
           <a:lstStyle/>
           <a:p>
-            <a:fld id="{0A7189CC-E7D4-4303-BEE5-60DF320C6C2C}" type="slidenum">
+            <a:fld id="{62AD424D-C8E3-4968-9D70-5C21C446738A}" type="slidenum">
               <a:rPr lang="zh-CN" altLang="en-US" smtClean="0"/>
               <a:t>‹#›</a:t>
             </a:fld>
@@ -723,7 +723,7 @@
     </p:spTree>
     <p:extLst>
       <p:ext uri="{BB962C8B-B14F-4D97-AF65-F5344CB8AC3E}">
-        <p14:creationId xmlns:p14="http://schemas.microsoft.com/office/powerpoint/2010/main" val="2126963119"/>
+        <p14:creationId xmlns:p14="http://schemas.microsoft.com/office/powerpoint/2010/main" val="2996019408"/>
       </p:ext>
     </p:extLst>
   </p:cSld>
@@ -755,7 +755,7 @@
           <p:cNvPr id="2" name="标题 1">
             <a:extLst>
               <a:ext uri="{FF2B5EF4-FFF2-40B4-BE49-F238E27FC236}">
-                <a16:creationId xmlns:a16="http://schemas.microsoft.com/office/drawing/2014/main" id="{5EE97158-83CA-BDC5-C66E-1597963CEC4D}"/>
+                <a16:creationId xmlns:a16="http://schemas.microsoft.com/office/drawing/2014/main" id="{F2C82ADA-38B8-A0D0-FAEF-B5651DF4D241}"/>
               </a:ext>
             </a:extLst>
           </p:cNvPr>
@@ -783,7 +783,7 @@
           <p:cNvPr id="3" name="内容占位符 2">
             <a:extLst>
               <a:ext uri="{FF2B5EF4-FFF2-40B4-BE49-F238E27FC236}">
-                <a16:creationId xmlns:a16="http://schemas.microsoft.com/office/drawing/2014/main" id="{AA6490B9-7E1E-1FF4-62F8-1DCE9652C5AC}"/>
+                <a16:creationId xmlns:a16="http://schemas.microsoft.com/office/drawing/2014/main" id="{6374292E-8B90-A3E3-4A73-A3CE2297F9D6}"/>
               </a:ext>
             </a:extLst>
           </p:cNvPr>
@@ -840,7 +840,7 @@
           <p:cNvPr id="4" name="日期占位符 3">
             <a:extLst>
               <a:ext uri="{FF2B5EF4-FFF2-40B4-BE49-F238E27FC236}">
-                <a16:creationId xmlns:a16="http://schemas.microsoft.com/office/drawing/2014/main" id="{444422A2-206B-49FC-3536-1234AB7DA5AB}"/>
+                <a16:creationId xmlns:a16="http://schemas.microsoft.com/office/drawing/2014/main" id="{6E3963A8-A6FC-55F3-0B85-64B81938C828}"/>
               </a:ext>
             </a:extLst>
           </p:cNvPr>
@@ -856,7 +856,7 @@
           <a:bodyPr/>
           <a:lstStyle/>
           <a:p>
-            <a:fld id="{535DEC5E-03D0-424D-A191-55F5CCDDF3FF}" type="datetimeFigureOut">
+            <a:fld id="{C233458B-B309-471D-8CB9-1546E84BFBE1}" type="datetimeFigureOut">
               <a:rPr lang="zh-CN" altLang="en-US" smtClean="0"/>
               <a:t>2024/3/10</a:t>
             </a:fld>
@@ -869,7 +869,7 @@
           <p:cNvPr id="5" name="页脚占位符 4">
             <a:extLst>
               <a:ext uri="{FF2B5EF4-FFF2-40B4-BE49-F238E27FC236}">
-                <a16:creationId xmlns:a16="http://schemas.microsoft.com/office/drawing/2014/main" id="{24BF3780-1C78-673E-EF0A-25FCED41E27C}"/>
+                <a16:creationId xmlns:a16="http://schemas.microsoft.com/office/drawing/2014/main" id="{C0005C02-71C6-E09D-0572-9CA517990136}"/>
               </a:ext>
             </a:extLst>
           </p:cNvPr>
@@ -894,7 +894,7 @@
           <p:cNvPr id="6" name="灯片编号占位符 5">
             <a:extLst>
               <a:ext uri="{FF2B5EF4-FFF2-40B4-BE49-F238E27FC236}">
-                <a16:creationId xmlns:a16="http://schemas.microsoft.com/office/drawing/2014/main" id="{4594D6AA-D221-1E24-451B-CA8294DD0ABB}"/>
+                <a16:creationId xmlns:a16="http://schemas.microsoft.com/office/drawing/2014/main" id="{F9852C67-1C1D-4530-3575-8EAA85BC5922}"/>
               </a:ext>
             </a:extLst>
           </p:cNvPr>
@@ -910,7 +910,7 @@
           <a:bodyPr/>
           <a:lstStyle/>
           <a:p>
-            <a:fld id="{0A7189CC-E7D4-4303-BEE5-60DF320C6C2C}" type="slidenum">
+            <a:fld id="{62AD424D-C8E3-4968-9D70-5C21C446738A}" type="slidenum">
               <a:rPr lang="zh-CN" altLang="en-US" smtClean="0"/>
               <a:t>‹#›</a:t>
             </a:fld>
@@ -921,7 +921,7 @@
     </p:spTree>
     <p:extLst>
       <p:ext uri="{BB962C8B-B14F-4D97-AF65-F5344CB8AC3E}">
-        <p14:creationId xmlns:p14="http://schemas.microsoft.com/office/powerpoint/2010/main" val="2770074655"/>
+        <p14:creationId xmlns:p14="http://schemas.microsoft.com/office/powerpoint/2010/main" val="1269221693"/>
       </p:ext>
     </p:extLst>
   </p:cSld>
@@ -953,7 +953,7 @@
           <p:cNvPr id="2" name="标题 1">
             <a:extLst>
               <a:ext uri="{FF2B5EF4-FFF2-40B4-BE49-F238E27FC236}">
-                <a16:creationId xmlns:a16="http://schemas.microsoft.com/office/drawing/2014/main" id="{40C5D22C-DB6A-10FC-5F82-186CBDB5B827}"/>
+                <a16:creationId xmlns:a16="http://schemas.microsoft.com/office/drawing/2014/main" id="{33649E03-C438-3B81-9095-B66627A91BD5}"/>
               </a:ext>
             </a:extLst>
           </p:cNvPr>
@@ -990,7 +990,7 @@
           <p:cNvPr id="3" name="文本占位符 2">
             <a:extLst>
               <a:ext uri="{FF2B5EF4-FFF2-40B4-BE49-F238E27FC236}">
-                <a16:creationId xmlns:a16="http://schemas.microsoft.com/office/drawing/2014/main" id="{E737FFC3-E053-C90C-59EA-DE5787171AFE}"/>
+                <a16:creationId xmlns:a16="http://schemas.microsoft.com/office/drawing/2014/main" id="{7E71BB12-0E6E-B80C-E393-B383AE6B8E32}"/>
               </a:ext>
             </a:extLst>
           </p:cNvPr>
@@ -1115,7 +1115,7 @@
           <p:cNvPr id="4" name="日期占位符 3">
             <a:extLst>
               <a:ext uri="{FF2B5EF4-FFF2-40B4-BE49-F238E27FC236}">
-                <a16:creationId xmlns:a16="http://schemas.microsoft.com/office/drawing/2014/main" id="{4EFD20C8-F261-5574-183E-4919D11BFF73}"/>
+                <a16:creationId xmlns:a16="http://schemas.microsoft.com/office/drawing/2014/main" id="{8E8C8916-E7BC-866A-C5BC-F38E236689C4}"/>
               </a:ext>
             </a:extLst>
           </p:cNvPr>
@@ -1131,7 +1131,7 @@
           <a:bodyPr/>
           <a:lstStyle/>
           <a:p>
-            <a:fld id="{535DEC5E-03D0-424D-A191-55F5CCDDF3FF}" type="datetimeFigureOut">
+            <a:fld id="{C233458B-B309-471D-8CB9-1546E84BFBE1}" type="datetimeFigureOut">
               <a:rPr lang="zh-CN" altLang="en-US" smtClean="0"/>
               <a:t>2024/3/10</a:t>
             </a:fld>
@@ -1144,7 +1144,7 @@
           <p:cNvPr id="5" name="页脚占位符 4">
             <a:extLst>
               <a:ext uri="{FF2B5EF4-FFF2-40B4-BE49-F238E27FC236}">
-                <a16:creationId xmlns:a16="http://schemas.microsoft.com/office/drawing/2014/main" id="{4712EF12-BE9A-4D79-8B31-47D93F9F7813}"/>
+                <a16:creationId xmlns:a16="http://schemas.microsoft.com/office/drawing/2014/main" id="{57BDF3A2-0539-3150-DC17-DE30D14CFCA8}"/>
               </a:ext>
             </a:extLst>
           </p:cNvPr>
@@ -1169,7 +1169,7 @@
           <p:cNvPr id="6" name="灯片编号占位符 5">
             <a:extLst>
               <a:ext uri="{FF2B5EF4-FFF2-40B4-BE49-F238E27FC236}">
-                <a16:creationId xmlns:a16="http://schemas.microsoft.com/office/drawing/2014/main" id="{D91694DA-8CEC-D4EF-81AF-8562F138EF15}"/>
+                <a16:creationId xmlns:a16="http://schemas.microsoft.com/office/drawing/2014/main" id="{C01ABFA8-F4B6-207E-58FE-C00ACF3D4FF3}"/>
               </a:ext>
             </a:extLst>
           </p:cNvPr>
@@ -1185,7 +1185,7 @@
           <a:bodyPr/>
           <a:lstStyle/>
           <a:p>
-            <a:fld id="{0A7189CC-E7D4-4303-BEE5-60DF320C6C2C}" type="slidenum">
+            <a:fld id="{62AD424D-C8E3-4968-9D70-5C21C446738A}" type="slidenum">
               <a:rPr lang="zh-CN" altLang="en-US" smtClean="0"/>
               <a:t>‹#›</a:t>
             </a:fld>
@@ -1196,7 +1196,7 @@
     </p:spTree>
     <p:extLst>
       <p:ext uri="{BB962C8B-B14F-4D97-AF65-F5344CB8AC3E}">
-        <p14:creationId xmlns:p14="http://schemas.microsoft.com/office/powerpoint/2010/main" val="994644114"/>
+        <p14:creationId xmlns:p14="http://schemas.microsoft.com/office/powerpoint/2010/main" val="2797693635"/>
       </p:ext>
     </p:extLst>
   </p:cSld>
@@ -1228,7 +1228,7 @@
           <p:cNvPr id="2" name="标题 1">
             <a:extLst>
               <a:ext uri="{FF2B5EF4-FFF2-40B4-BE49-F238E27FC236}">
-                <a16:creationId xmlns:a16="http://schemas.microsoft.com/office/drawing/2014/main" id="{B49C5902-2B86-0192-8585-79AAC6588A76}"/>
+                <a16:creationId xmlns:a16="http://schemas.microsoft.com/office/drawing/2014/main" id="{5204955E-9C16-4322-2C12-90B797D2B3C2}"/>
               </a:ext>
             </a:extLst>
           </p:cNvPr>
@@ -1256,7 +1256,7 @@
           <p:cNvPr id="3" name="内容占位符 2">
             <a:extLst>
               <a:ext uri="{FF2B5EF4-FFF2-40B4-BE49-F238E27FC236}">
-                <a16:creationId xmlns:a16="http://schemas.microsoft.com/office/drawing/2014/main" id="{0DD522D9-E9A5-5EC8-B0B9-57DE6F8F384E}"/>
+                <a16:creationId xmlns:a16="http://schemas.microsoft.com/office/drawing/2014/main" id="{EB51BE32-1F1D-E8AA-5EE4-81AA955D151C}"/>
               </a:ext>
             </a:extLst>
           </p:cNvPr>
@@ -1318,7 +1318,7 @@
           <p:cNvPr id="4" name="内容占位符 3">
             <a:extLst>
               <a:ext uri="{FF2B5EF4-FFF2-40B4-BE49-F238E27FC236}">
-                <a16:creationId xmlns:a16="http://schemas.microsoft.com/office/drawing/2014/main" id="{A2DAE349-B521-8712-5FC5-5E60F2D206C0}"/>
+                <a16:creationId xmlns:a16="http://schemas.microsoft.com/office/drawing/2014/main" id="{51448C5E-479A-2B8F-417F-2C36CB4CBDA3}"/>
               </a:ext>
             </a:extLst>
           </p:cNvPr>
@@ -1380,7 +1380,7 @@
           <p:cNvPr id="5" name="日期占位符 4">
             <a:extLst>
               <a:ext uri="{FF2B5EF4-FFF2-40B4-BE49-F238E27FC236}">
-                <a16:creationId xmlns:a16="http://schemas.microsoft.com/office/drawing/2014/main" id="{3519804E-24C9-576B-22CA-F1879AB8B6B4}"/>
+                <a16:creationId xmlns:a16="http://schemas.microsoft.com/office/drawing/2014/main" id="{5C64114F-5091-5731-1D65-8D515AA4DA86}"/>
               </a:ext>
             </a:extLst>
           </p:cNvPr>
@@ -1396,7 +1396,7 @@
           <a:bodyPr/>
           <a:lstStyle/>
           <a:p>
-            <a:fld id="{535DEC5E-03D0-424D-A191-55F5CCDDF3FF}" type="datetimeFigureOut">
+            <a:fld id="{C233458B-B309-471D-8CB9-1546E84BFBE1}" type="datetimeFigureOut">
               <a:rPr lang="zh-CN" altLang="en-US" smtClean="0"/>
               <a:t>2024/3/10</a:t>
             </a:fld>
@@ -1409,7 +1409,7 @@
           <p:cNvPr id="6" name="页脚占位符 5">
             <a:extLst>
               <a:ext uri="{FF2B5EF4-FFF2-40B4-BE49-F238E27FC236}">
-                <a16:creationId xmlns:a16="http://schemas.microsoft.com/office/drawing/2014/main" id="{C68A7CBC-DFD4-D227-4776-8870880869F6}"/>
+                <a16:creationId xmlns:a16="http://schemas.microsoft.com/office/drawing/2014/main" id="{573589E6-1785-18FB-8220-19154E19BF87}"/>
               </a:ext>
             </a:extLst>
           </p:cNvPr>
@@ -1434,7 +1434,7 @@
           <p:cNvPr id="7" name="灯片编号占位符 6">
             <a:extLst>
               <a:ext uri="{FF2B5EF4-FFF2-40B4-BE49-F238E27FC236}">
-                <a16:creationId xmlns:a16="http://schemas.microsoft.com/office/drawing/2014/main" id="{41147255-8E03-CA2B-E562-DBB814EE3465}"/>
+                <a16:creationId xmlns:a16="http://schemas.microsoft.com/office/drawing/2014/main" id="{296BFB68-2F74-0117-DBDF-373255842554}"/>
               </a:ext>
             </a:extLst>
           </p:cNvPr>
@@ -1450,7 +1450,7 @@
           <a:bodyPr/>
           <a:lstStyle/>
           <a:p>
-            <a:fld id="{0A7189CC-E7D4-4303-BEE5-60DF320C6C2C}" type="slidenum">
+            <a:fld id="{62AD424D-C8E3-4968-9D70-5C21C446738A}" type="slidenum">
               <a:rPr lang="zh-CN" altLang="en-US" smtClean="0"/>
               <a:t>‹#›</a:t>
             </a:fld>
@@ -1461,7 +1461,7 @@
     </p:spTree>
     <p:extLst>
       <p:ext uri="{BB962C8B-B14F-4D97-AF65-F5344CB8AC3E}">
-        <p14:creationId xmlns:p14="http://schemas.microsoft.com/office/powerpoint/2010/main" val="4292801829"/>
+        <p14:creationId xmlns:p14="http://schemas.microsoft.com/office/powerpoint/2010/main" val="3615932631"/>
       </p:ext>
     </p:extLst>
   </p:cSld>
@@ -1493,7 +1493,7 @@
           <p:cNvPr id="2" name="标题 1">
             <a:extLst>
               <a:ext uri="{FF2B5EF4-FFF2-40B4-BE49-F238E27FC236}">
-                <a16:creationId xmlns:a16="http://schemas.microsoft.com/office/drawing/2014/main" id="{7142ACB9-C315-C58C-3999-D71FC2ECCF0E}"/>
+                <a16:creationId xmlns:a16="http://schemas.microsoft.com/office/drawing/2014/main" id="{AD6B58D3-309B-9E8C-0B2E-A8BEDE5387D9}"/>
               </a:ext>
             </a:extLst>
           </p:cNvPr>
@@ -1526,7 +1526,7 @@
           <p:cNvPr id="3" name="文本占位符 2">
             <a:extLst>
               <a:ext uri="{FF2B5EF4-FFF2-40B4-BE49-F238E27FC236}">
-                <a16:creationId xmlns:a16="http://schemas.microsoft.com/office/drawing/2014/main" id="{EA8EDB40-1851-CBC7-A3BA-433BEAEE9DFD}"/>
+                <a16:creationId xmlns:a16="http://schemas.microsoft.com/office/drawing/2014/main" id="{2B82B0AD-E5F5-D6C9-D4A2-24565BCC550A}"/>
               </a:ext>
             </a:extLst>
           </p:cNvPr>
@@ -1597,7 +1597,7 @@
           <p:cNvPr id="4" name="内容占位符 3">
             <a:extLst>
               <a:ext uri="{FF2B5EF4-FFF2-40B4-BE49-F238E27FC236}">
-                <a16:creationId xmlns:a16="http://schemas.microsoft.com/office/drawing/2014/main" id="{B0C2A55F-BB45-65DB-53CD-E2886D758CC7}"/>
+                <a16:creationId xmlns:a16="http://schemas.microsoft.com/office/drawing/2014/main" id="{7E457363-7E11-B524-F5D5-CD0284CE5AA6}"/>
               </a:ext>
             </a:extLst>
           </p:cNvPr>
@@ -1659,7 +1659,7 @@
           <p:cNvPr id="5" name="文本占位符 4">
             <a:extLst>
               <a:ext uri="{FF2B5EF4-FFF2-40B4-BE49-F238E27FC236}">
-                <a16:creationId xmlns:a16="http://schemas.microsoft.com/office/drawing/2014/main" id="{FEF442B4-3556-2551-87FC-EDE18A0B2B9C}"/>
+                <a16:creationId xmlns:a16="http://schemas.microsoft.com/office/drawing/2014/main" id="{C2F605A5-5F19-37FA-EDA7-E5AB710ECCB3}"/>
               </a:ext>
             </a:extLst>
           </p:cNvPr>
@@ -1730,7 +1730,7 @@
           <p:cNvPr id="6" name="内容占位符 5">
             <a:extLst>
               <a:ext uri="{FF2B5EF4-FFF2-40B4-BE49-F238E27FC236}">
-                <a16:creationId xmlns:a16="http://schemas.microsoft.com/office/drawing/2014/main" id="{0B2EEB33-4C32-24FC-FBC9-DACBC1FF7A05}"/>
+                <a16:creationId xmlns:a16="http://schemas.microsoft.com/office/drawing/2014/main" id="{5607B14F-53C6-F9AF-3642-51A8A746B832}"/>
               </a:ext>
             </a:extLst>
           </p:cNvPr>
@@ -1792,7 +1792,7 @@
           <p:cNvPr id="7" name="日期占位符 6">
             <a:extLst>
               <a:ext uri="{FF2B5EF4-FFF2-40B4-BE49-F238E27FC236}">
-                <a16:creationId xmlns:a16="http://schemas.microsoft.com/office/drawing/2014/main" id="{90D601B4-B66C-C63B-3074-7D9B5CA3AF1C}"/>
+                <a16:creationId xmlns:a16="http://schemas.microsoft.com/office/drawing/2014/main" id="{E3576CAE-49C1-3D01-7847-C42AB6674AE7}"/>
               </a:ext>
             </a:extLst>
           </p:cNvPr>
@@ -1808,7 +1808,7 @@
           <a:bodyPr/>
           <a:lstStyle/>
           <a:p>
-            <a:fld id="{535DEC5E-03D0-424D-A191-55F5CCDDF3FF}" type="datetimeFigureOut">
+            <a:fld id="{C233458B-B309-471D-8CB9-1546E84BFBE1}" type="datetimeFigureOut">
               <a:rPr lang="zh-CN" altLang="en-US" smtClean="0"/>
               <a:t>2024/3/10</a:t>
             </a:fld>
@@ -1821,7 +1821,7 @@
           <p:cNvPr id="8" name="页脚占位符 7">
             <a:extLst>
               <a:ext uri="{FF2B5EF4-FFF2-40B4-BE49-F238E27FC236}">
-                <a16:creationId xmlns:a16="http://schemas.microsoft.com/office/drawing/2014/main" id="{220442CA-A122-DD88-9C91-C6ED9AA3FA00}"/>
+                <a16:creationId xmlns:a16="http://schemas.microsoft.com/office/drawing/2014/main" id="{0C41B7B6-0841-8156-95F1-A408BC1C12A0}"/>
               </a:ext>
             </a:extLst>
           </p:cNvPr>
@@ -1846,7 +1846,7 @@
           <p:cNvPr id="9" name="灯片编号占位符 8">
             <a:extLst>
               <a:ext uri="{FF2B5EF4-FFF2-40B4-BE49-F238E27FC236}">
-                <a16:creationId xmlns:a16="http://schemas.microsoft.com/office/drawing/2014/main" id="{19C859FE-8372-08C9-34D6-15FF64941C3B}"/>
+                <a16:creationId xmlns:a16="http://schemas.microsoft.com/office/drawing/2014/main" id="{0D35B574-9125-8B92-A0C6-38A39677F38A}"/>
               </a:ext>
             </a:extLst>
           </p:cNvPr>
@@ -1862,7 +1862,7 @@
           <a:bodyPr/>
           <a:lstStyle/>
           <a:p>
-            <a:fld id="{0A7189CC-E7D4-4303-BEE5-60DF320C6C2C}" type="slidenum">
+            <a:fld id="{62AD424D-C8E3-4968-9D70-5C21C446738A}" type="slidenum">
               <a:rPr lang="zh-CN" altLang="en-US" smtClean="0"/>
               <a:t>‹#›</a:t>
             </a:fld>
@@ -1873,7 +1873,7 @@
     </p:spTree>
     <p:extLst>
       <p:ext uri="{BB962C8B-B14F-4D97-AF65-F5344CB8AC3E}">
-        <p14:creationId xmlns:p14="http://schemas.microsoft.com/office/powerpoint/2010/main" val="3210295928"/>
+        <p14:creationId xmlns:p14="http://schemas.microsoft.com/office/powerpoint/2010/main" val="816746920"/>
       </p:ext>
     </p:extLst>
   </p:cSld>
@@ -1905,7 +1905,7 @@
           <p:cNvPr id="2" name="标题 1">
             <a:extLst>
               <a:ext uri="{FF2B5EF4-FFF2-40B4-BE49-F238E27FC236}">
-                <a16:creationId xmlns:a16="http://schemas.microsoft.com/office/drawing/2014/main" id="{3A72FC1F-D3E9-A3B6-D636-A28C311BB8F1}"/>
+                <a16:creationId xmlns:a16="http://schemas.microsoft.com/office/drawing/2014/main" id="{6BF6D695-67D9-F640-E016-DD516C30DFE2}"/>
               </a:ext>
             </a:extLst>
           </p:cNvPr>
@@ -1933,7 +1933,7 @@
           <p:cNvPr id="3" name="日期占位符 2">
             <a:extLst>
               <a:ext uri="{FF2B5EF4-FFF2-40B4-BE49-F238E27FC236}">
-                <a16:creationId xmlns:a16="http://schemas.microsoft.com/office/drawing/2014/main" id="{5D655990-F145-EADD-D2B6-05DDEB0A4CCB}"/>
+                <a16:creationId xmlns:a16="http://schemas.microsoft.com/office/drawing/2014/main" id="{26E9AE49-A59E-E725-9A04-CA69D09CD684}"/>
               </a:ext>
             </a:extLst>
           </p:cNvPr>
@@ -1949,7 +1949,7 @@
           <a:bodyPr/>
           <a:lstStyle/>
           <a:p>
-            <a:fld id="{535DEC5E-03D0-424D-A191-55F5CCDDF3FF}" type="datetimeFigureOut">
+            <a:fld id="{C233458B-B309-471D-8CB9-1546E84BFBE1}" type="datetimeFigureOut">
               <a:rPr lang="zh-CN" altLang="en-US" smtClean="0"/>
               <a:t>2024/3/10</a:t>
             </a:fld>
@@ -1962,7 +1962,7 @@
           <p:cNvPr id="4" name="页脚占位符 3">
             <a:extLst>
               <a:ext uri="{FF2B5EF4-FFF2-40B4-BE49-F238E27FC236}">
-                <a16:creationId xmlns:a16="http://schemas.microsoft.com/office/drawing/2014/main" id="{59716ED6-014D-2322-0354-0D9C526C10B2}"/>
+                <a16:creationId xmlns:a16="http://schemas.microsoft.com/office/drawing/2014/main" id="{8EA989CF-5204-106A-0428-D5FD74F8E2DC}"/>
               </a:ext>
             </a:extLst>
           </p:cNvPr>
@@ -1987,7 +1987,7 @@
           <p:cNvPr id="5" name="灯片编号占位符 4">
             <a:extLst>
               <a:ext uri="{FF2B5EF4-FFF2-40B4-BE49-F238E27FC236}">
-                <a16:creationId xmlns:a16="http://schemas.microsoft.com/office/drawing/2014/main" id="{F0BC1B72-28CE-CCFC-3749-38994460CF56}"/>
+                <a16:creationId xmlns:a16="http://schemas.microsoft.com/office/drawing/2014/main" id="{982236A0-AEDA-BCA4-6E8C-652A412B4707}"/>
               </a:ext>
             </a:extLst>
           </p:cNvPr>
@@ -2003,7 +2003,7 @@
           <a:bodyPr/>
           <a:lstStyle/>
           <a:p>
-            <a:fld id="{0A7189CC-E7D4-4303-BEE5-60DF320C6C2C}" type="slidenum">
+            <a:fld id="{62AD424D-C8E3-4968-9D70-5C21C446738A}" type="slidenum">
               <a:rPr lang="zh-CN" altLang="en-US" smtClean="0"/>
               <a:t>‹#›</a:t>
             </a:fld>
@@ -2014,7 +2014,7 @@
     </p:spTree>
     <p:extLst>
       <p:ext uri="{BB962C8B-B14F-4D97-AF65-F5344CB8AC3E}">
-        <p14:creationId xmlns:p14="http://schemas.microsoft.com/office/powerpoint/2010/main" val="222770076"/>
+        <p14:creationId xmlns:p14="http://schemas.microsoft.com/office/powerpoint/2010/main" val="2750123143"/>
       </p:ext>
     </p:extLst>
   </p:cSld>
@@ -2046,7 +2046,7 @@
           <p:cNvPr id="2" name="日期占位符 1">
             <a:extLst>
               <a:ext uri="{FF2B5EF4-FFF2-40B4-BE49-F238E27FC236}">
-                <a16:creationId xmlns:a16="http://schemas.microsoft.com/office/drawing/2014/main" id="{6A298639-863C-6743-5C40-1F44D24FB03C}"/>
+                <a16:creationId xmlns:a16="http://schemas.microsoft.com/office/drawing/2014/main" id="{2858A8E0-ED47-E349-74B4-655682359376}"/>
               </a:ext>
             </a:extLst>
           </p:cNvPr>
@@ -2062,7 +2062,7 @@
           <a:bodyPr/>
           <a:lstStyle/>
           <a:p>
-            <a:fld id="{535DEC5E-03D0-424D-A191-55F5CCDDF3FF}" type="datetimeFigureOut">
+            <a:fld id="{C233458B-B309-471D-8CB9-1546E84BFBE1}" type="datetimeFigureOut">
               <a:rPr lang="zh-CN" altLang="en-US" smtClean="0"/>
               <a:t>2024/3/10</a:t>
             </a:fld>
@@ -2075,7 +2075,7 @@
           <p:cNvPr id="3" name="页脚占位符 2">
             <a:extLst>
               <a:ext uri="{FF2B5EF4-FFF2-40B4-BE49-F238E27FC236}">
-                <a16:creationId xmlns:a16="http://schemas.microsoft.com/office/drawing/2014/main" id="{CFF4ED83-C8F6-B661-7FE1-1328E05E9162}"/>
+                <a16:creationId xmlns:a16="http://schemas.microsoft.com/office/drawing/2014/main" id="{AC5AB146-9989-BF29-7880-96681FADDCA4}"/>
               </a:ext>
             </a:extLst>
           </p:cNvPr>
@@ -2100,7 +2100,7 @@
           <p:cNvPr id="4" name="灯片编号占位符 3">
             <a:extLst>
               <a:ext uri="{FF2B5EF4-FFF2-40B4-BE49-F238E27FC236}">
-                <a16:creationId xmlns:a16="http://schemas.microsoft.com/office/drawing/2014/main" id="{5E28E743-20EE-9EB0-D8CE-E12D0656A399}"/>
+                <a16:creationId xmlns:a16="http://schemas.microsoft.com/office/drawing/2014/main" id="{403475F2-1562-B82F-3875-F4157059B296}"/>
               </a:ext>
             </a:extLst>
           </p:cNvPr>
@@ -2116,7 +2116,7 @@
           <a:bodyPr/>
           <a:lstStyle/>
           <a:p>
-            <a:fld id="{0A7189CC-E7D4-4303-BEE5-60DF320C6C2C}" type="slidenum">
+            <a:fld id="{62AD424D-C8E3-4968-9D70-5C21C446738A}" type="slidenum">
               <a:rPr lang="zh-CN" altLang="en-US" smtClean="0"/>
               <a:t>‹#›</a:t>
             </a:fld>
@@ -2127,7 +2127,7 @@
     </p:spTree>
     <p:extLst>
       <p:ext uri="{BB962C8B-B14F-4D97-AF65-F5344CB8AC3E}">
-        <p14:creationId xmlns:p14="http://schemas.microsoft.com/office/powerpoint/2010/main" val="2549859502"/>
+        <p14:creationId xmlns:p14="http://schemas.microsoft.com/office/powerpoint/2010/main" val="2863755180"/>
       </p:ext>
     </p:extLst>
   </p:cSld>
@@ -2159,7 +2159,7 @@
           <p:cNvPr id="2" name="标题 1">
             <a:extLst>
               <a:ext uri="{FF2B5EF4-FFF2-40B4-BE49-F238E27FC236}">
-                <a16:creationId xmlns:a16="http://schemas.microsoft.com/office/drawing/2014/main" id="{5E0D5DBA-007F-1E4C-F89C-0F06F9988ABC}"/>
+                <a16:creationId xmlns:a16="http://schemas.microsoft.com/office/drawing/2014/main" id="{052A3274-7E43-696B-6EF2-2F967CE85A62}"/>
               </a:ext>
             </a:extLst>
           </p:cNvPr>
@@ -2196,7 +2196,7 @@
           <p:cNvPr id="3" name="内容占位符 2">
             <a:extLst>
               <a:ext uri="{FF2B5EF4-FFF2-40B4-BE49-F238E27FC236}">
-                <a16:creationId xmlns:a16="http://schemas.microsoft.com/office/drawing/2014/main" id="{8E6D2488-2C63-0F0B-1FA6-8964DFF74D52}"/>
+                <a16:creationId xmlns:a16="http://schemas.microsoft.com/office/drawing/2014/main" id="{87FC78A7-24CD-D4CB-2027-1D59C4C6087B}"/>
               </a:ext>
             </a:extLst>
           </p:cNvPr>
@@ -2286,7 +2286,7 @@
           <p:cNvPr id="4" name="文本占位符 3">
             <a:extLst>
               <a:ext uri="{FF2B5EF4-FFF2-40B4-BE49-F238E27FC236}">
-                <a16:creationId xmlns:a16="http://schemas.microsoft.com/office/drawing/2014/main" id="{625EC108-A051-8FEF-EE73-5E1A68FA7A36}"/>
+                <a16:creationId xmlns:a16="http://schemas.microsoft.com/office/drawing/2014/main" id="{B8945FCC-4CF3-711F-61FE-4A7618634F62}"/>
               </a:ext>
             </a:extLst>
           </p:cNvPr>
@@ -2357,7 +2357,7 @@
           <p:cNvPr id="5" name="日期占位符 4">
             <a:extLst>
               <a:ext uri="{FF2B5EF4-FFF2-40B4-BE49-F238E27FC236}">
-                <a16:creationId xmlns:a16="http://schemas.microsoft.com/office/drawing/2014/main" id="{DBF9324C-8B37-1749-9129-D39E38331B56}"/>
+                <a16:creationId xmlns:a16="http://schemas.microsoft.com/office/drawing/2014/main" id="{95E31162-51AE-B781-5952-1C2799A1C5FE}"/>
               </a:ext>
             </a:extLst>
           </p:cNvPr>
@@ -2373,7 +2373,7 @@
           <a:bodyPr/>
           <a:lstStyle/>
           <a:p>
-            <a:fld id="{535DEC5E-03D0-424D-A191-55F5CCDDF3FF}" type="datetimeFigureOut">
+            <a:fld id="{C233458B-B309-471D-8CB9-1546E84BFBE1}" type="datetimeFigureOut">
               <a:rPr lang="zh-CN" altLang="en-US" smtClean="0"/>
               <a:t>2024/3/10</a:t>
             </a:fld>
@@ -2386,7 +2386,7 @@
           <p:cNvPr id="6" name="页脚占位符 5">
             <a:extLst>
               <a:ext uri="{FF2B5EF4-FFF2-40B4-BE49-F238E27FC236}">
-                <a16:creationId xmlns:a16="http://schemas.microsoft.com/office/drawing/2014/main" id="{C925B60B-AC3A-79AE-F83D-D803D336ACE5}"/>
+                <a16:creationId xmlns:a16="http://schemas.microsoft.com/office/drawing/2014/main" id="{684E5C3A-315F-1ECC-9F80-DA1A771C7CEC}"/>
               </a:ext>
             </a:extLst>
           </p:cNvPr>
@@ -2411,7 +2411,7 @@
           <p:cNvPr id="7" name="灯片编号占位符 6">
             <a:extLst>
               <a:ext uri="{FF2B5EF4-FFF2-40B4-BE49-F238E27FC236}">
-                <a16:creationId xmlns:a16="http://schemas.microsoft.com/office/drawing/2014/main" id="{1A5EC042-52F7-C760-A49B-81E486C2C77C}"/>
+                <a16:creationId xmlns:a16="http://schemas.microsoft.com/office/drawing/2014/main" id="{74E848AD-12BD-A48C-554B-5A278EE8DEB0}"/>
               </a:ext>
             </a:extLst>
           </p:cNvPr>
@@ -2427,7 +2427,7 @@
           <a:bodyPr/>
           <a:lstStyle/>
           <a:p>
-            <a:fld id="{0A7189CC-E7D4-4303-BEE5-60DF320C6C2C}" type="slidenum">
+            <a:fld id="{62AD424D-C8E3-4968-9D70-5C21C446738A}" type="slidenum">
               <a:rPr lang="zh-CN" altLang="en-US" smtClean="0"/>
               <a:t>‹#›</a:t>
             </a:fld>
@@ -2438,7 +2438,7 @@
     </p:spTree>
     <p:extLst>
       <p:ext uri="{BB962C8B-B14F-4D97-AF65-F5344CB8AC3E}">
-        <p14:creationId xmlns:p14="http://schemas.microsoft.com/office/powerpoint/2010/main" val="303337433"/>
+        <p14:creationId xmlns:p14="http://schemas.microsoft.com/office/powerpoint/2010/main" val="3578290915"/>
       </p:ext>
     </p:extLst>
   </p:cSld>
@@ -2470,7 +2470,7 @@
           <p:cNvPr id="2" name="标题 1">
             <a:extLst>
               <a:ext uri="{FF2B5EF4-FFF2-40B4-BE49-F238E27FC236}">
-                <a16:creationId xmlns:a16="http://schemas.microsoft.com/office/drawing/2014/main" id="{ADBA3ED7-995A-C6E3-ABEA-03288CE37CAF}"/>
+                <a16:creationId xmlns:a16="http://schemas.microsoft.com/office/drawing/2014/main" id="{15E6043F-71AD-EB1B-9279-4679FCC95084}"/>
               </a:ext>
             </a:extLst>
           </p:cNvPr>
@@ -2507,7 +2507,7 @@
           <p:cNvPr id="3" name="图片占位符 2">
             <a:extLst>
               <a:ext uri="{FF2B5EF4-FFF2-40B4-BE49-F238E27FC236}">
-                <a16:creationId xmlns:a16="http://schemas.microsoft.com/office/drawing/2014/main" id="{EAF4660D-4458-90F0-0C23-9F2469B88EBE}"/>
+                <a16:creationId xmlns:a16="http://schemas.microsoft.com/office/drawing/2014/main" id="{96CDCED0-F0CE-67CD-6A51-5F3E35D4FD02}"/>
               </a:ext>
             </a:extLst>
           </p:cNvPr>
@@ -2574,7 +2574,7 @@
           <p:cNvPr id="4" name="文本占位符 3">
             <a:extLst>
               <a:ext uri="{FF2B5EF4-FFF2-40B4-BE49-F238E27FC236}">
-                <a16:creationId xmlns:a16="http://schemas.microsoft.com/office/drawing/2014/main" id="{321AB943-17A3-83F1-94A8-C59724DE3630}"/>
+                <a16:creationId xmlns:a16="http://schemas.microsoft.com/office/drawing/2014/main" id="{D5532F7E-7638-8F98-CE97-597D88ACEC67}"/>
               </a:ext>
             </a:extLst>
           </p:cNvPr>
@@ -2645,7 +2645,7 @@
           <p:cNvPr id="5" name="日期占位符 4">
             <a:extLst>
               <a:ext uri="{FF2B5EF4-FFF2-40B4-BE49-F238E27FC236}">
-                <a16:creationId xmlns:a16="http://schemas.microsoft.com/office/drawing/2014/main" id="{B3620AFC-B19F-DB38-5158-EA707A4E43A6}"/>
+                <a16:creationId xmlns:a16="http://schemas.microsoft.com/office/drawing/2014/main" id="{E3B29C6B-09F0-2899-6C5A-1EF126BF3883}"/>
               </a:ext>
             </a:extLst>
           </p:cNvPr>
@@ -2661,7 +2661,7 @@
           <a:bodyPr/>
           <a:lstStyle/>
           <a:p>
-            <a:fld id="{535DEC5E-03D0-424D-A191-55F5CCDDF3FF}" type="datetimeFigureOut">
+            <a:fld id="{C233458B-B309-471D-8CB9-1546E84BFBE1}" type="datetimeFigureOut">
               <a:rPr lang="zh-CN" altLang="en-US" smtClean="0"/>
               <a:t>2024/3/10</a:t>
             </a:fld>
@@ -2674,7 +2674,7 @@
           <p:cNvPr id="6" name="页脚占位符 5">
             <a:extLst>
               <a:ext uri="{FF2B5EF4-FFF2-40B4-BE49-F238E27FC236}">
-                <a16:creationId xmlns:a16="http://schemas.microsoft.com/office/drawing/2014/main" id="{3C02D3AE-5BF1-9C50-5176-04272E52CD8D}"/>
+                <a16:creationId xmlns:a16="http://schemas.microsoft.com/office/drawing/2014/main" id="{21EFA618-0BD7-4802-392F-DC944C35FE10}"/>
               </a:ext>
             </a:extLst>
           </p:cNvPr>
@@ -2699,7 +2699,7 @@
           <p:cNvPr id="7" name="灯片编号占位符 6">
             <a:extLst>
               <a:ext uri="{FF2B5EF4-FFF2-40B4-BE49-F238E27FC236}">
-                <a16:creationId xmlns:a16="http://schemas.microsoft.com/office/drawing/2014/main" id="{1330742F-7235-CE32-A94A-4FA92EFBA16B}"/>
+                <a16:creationId xmlns:a16="http://schemas.microsoft.com/office/drawing/2014/main" id="{9972582F-1F8A-BF25-E574-FB7B0129E60A}"/>
               </a:ext>
             </a:extLst>
           </p:cNvPr>
@@ -2715,7 +2715,7 @@
           <a:bodyPr/>
           <a:lstStyle/>
           <a:p>
-            <a:fld id="{0A7189CC-E7D4-4303-BEE5-60DF320C6C2C}" type="slidenum">
+            <a:fld id="{62AD424D-C8E3-4968-9D70-5C21C446738A}" type="slidenum">
               <a:rPr lang="zh-CN" altLang="en-US" smtClean="0"/>
               <a:t>‹#›</a:t>
             </a:fld>
@@ -2726,7 +2726,7 @@
     </p:spTree>
     <p:extLst>
       <p:ext uri="{BB962C8B-B14F-4D97-AF65-F5344CB8AC3E}">
-        <p14:creationId xmlns:p14="http://schemas.microsoft.com/office/powerpoint/2010/main" val="3617721352"/>
+        <p14:creationId xmlns:p14="http://schemas.microsoft.com/office/powerpoint/2010/main" val="1273691322"/>
       </p:ext>
     </p:extLst>
   </p:cSld>
@@ -2763,7 +2763,7 @@
           <p:cNvPr id="2" name="标题占位符 1">
             <a:extLst>
               <a:ext uri="{FF2B5EF4-FFF2-40B4-BE49-F238E27FC236}">
-                <a16:creationId xmlns:a16="http://schemas.microsoft.com/office/drawing/2014/main" id="{EEB1F91D-C8A3-5D8A-B28A-3C3BBC3B3023}"/>
+                <a16:creationId xmlns:a16="http://schemas.microsoft.com/office/drawing/2014/main" id="{AF66CDA7-A439-A6E2-F22F-A120547476FE}"/>
               </a:ext>
             </a:extLst>
           </p:cNvPr>
@@ -2801,7 +2801,7 @@
           <p:cNvPr id="3" name="文本占位符 2">
             <a:extLst>
               <a:ext uri="{FF2B5EF4-FFF2-40B4-BE49-F238E27FC236}">
-                <a16:creationId xmlns:a16="http://schemas.microsoft.com/office/drawing/2014/main" id="{E0BA2A1B-0565-CE5C-7DD8-D2B2204D79A1}"/>
+                <a16:creationId xmlns:a16="http://schemas.microsoft.com/office/drawing/2014/main" id="{95B55F1C-E357-8924-3225-2B09274DE432}"/>
               </a:ext>
             </a:extLst>
           </p:cNvPr>
@@ -2868,7 +2868,7 @@
           <p:cNvPr id="4" name="日期占位符 3">
             <a:extLst>
               <a:ext uri="{FF2B5EF4-FFF2-40B4-BE49-F238E27FC236}">
-                <a16:creationId xmlns:a16="http://schemas.microsoft.com/office/drawing/2014/main" id="{70AC28CB-133A-C151-6182-098A763B2587}"/>
+                <a16:creationId xmlns:a16="http://schemas.microsoft.com/office/drawing/2014/main" id="{A4E613F9-9043-402E-9EC6-C3387E39036E}"/>
               </a:ext>
             </a:extLst>
           </p:cNvPr>
@@ -2902,7 +2902,7 @@
             </a:lvl1pPr>
           </a:lstStyle>
           <a:p>
-            <a:fld id="{535DEC5E-03D0-424D-A191-55F5CCDDF3FF}" type="datetimeFigureOut">
+            <a:fld id="{C233458B-B309-471D-8CB9-1546E84BFBE1}" type="datetimeFigureOut">
               <a:rPr lang="zh-CN" altLang="en-US" smtClean="0"/>
               <a:t>2024/3/10</a:t>
             </a:fld>
@@ -2915,7 +2915,7 @@
           <p:cNvPr id="5" name="页脚占位符 4">
             <a:extLst>
               <a:ext uri="{FF2B5EF4-FFF2-40B4-BE49-F238E27FC236}">
-                <a16:creationId xmlns:a16="http://schemas.microsoft.com/office/drawing/2014/main" id="{013493DB-44DA-EE2F-6ADD-84627E227E4F}"/>
+                <a16:creationId xmlns:a16="http://schemas.microsoft.com/office/drawing/2014/main" id="{ABA8D00B-2E03-37AE-FA83-077562E766F4}"/>
               </a:ext>
             </a:extLst>
           </p:cNvPr>
@@ -2958,7 +2958,7 @@
           <p:cNvPr id="6" name="灯片编号占位符 5">
             <a:extLst>
               <a:ext uri="{FF2B5EF4-FFF2-40B4-BE49-F238E27FC236}">
-                <a16:creationId xmlns:a16="http://schemas.microsoft.com/office/drawing/2014/main" id="{21B054F7-3302-CB0C-6E2F-506EED898F33}"/>
+                <a16:creationId xmlns:a16="http://schemas.microsoft.com/office/drawing/2014/main" id="{A8A32EDD-BB4B-8A9A-9A5B-038A06B0A0C1}"/>
               </a:ext>
             </a:extLst>
           </p:cNvPr>
@@ -2992,7 +2992,7 @@
             </a:lvl1pPr>
           </a:lstStyle>
           <a:p>
-            <a:fld id="{0A7189CC-E7D4-4303-BEE5-60DF320C6C2C}" type="slidenum">
+            <a:fld id="{62AD424D-C8E3-4968-9D70-5C21C446738A}" type="slidenum">
               <a:rPr lang="zh-CN" altLang="en-US" smtClean="0"/>
               <a:t>‹#›</a:t>
             </a:fld>
@@ -3003,7 +3003,7 @@
     </p:spTree>
     <p:extLst>
       <p:ext uri="{BB962C8B-B14F-4D97-AF65-F5344CB8AC3E}">
-        <p14:creationId xmlns:p14="http://schemas.microsoft.com/office/powerpoint/2010/main" val="1157101037"/>
+        <p14:creationId xmlns:p14="http://schemas.microsoft.com/office/powerpoint/2010/main" val="2659024316"/>
       </p:ext>
     </p:extLst>
   </p:cSld>
